--- a/presentazione_davide_carniselli.pptx
+++ b/presentazione_davide_carniselli.pptx
@@ -7005,6 +7005,82 @@
           <a:chExt cx="0" cy="0"/>
         </a:xfrm>
       </p:grpSpPr>
+      <p:sp useBgFill="1">
+        <p:nvSpPr>
+          <p:cNvPr id="120" name="Rectangle 119">
+            <a:extLst>
+              <a:ext uri="{FF2B5EF4-FFF2-40B4-BE49-F238E27FC236}">
+                <a16:creationId xmlns:a16="http://schemas.microsoft.com/office/drawing/2014/main" id="{DB66C9CD-6BF4-44CA-8078-0BB819080761}"/>
+              </a:ext>
+              <a:ext uri="{C183D7F6-B498-43B3-948B-1728B52AA6E4}">
+                <adec:decorative xmlns:adec="http://schemas.microsoft.com/office/drawing/2017/decorative" val="1"/>
+              </a:ext>
+            </a:extLst>
+          </p:cNvPr>
+          <p:cNvSpPr>
+            <a:spLocks noGrp="1" noRot="1" noChangeAspect="1" noMove="1" noResize="1" noEditPoints="1" noAdjustHandles="1" noChangeArrowheads="1" noChangeShapeType="1" noTextEdit="1"/>
+          </p:cNvSpPr>
+          <p:nvPr>
+            <p:extLst>
+              <p:ext uri="{386F3935-93C4-4BCD-93E2-E3B085C9AB24}">
+                <p16:designElem xmlns:p16="http://schemas.microsoft.com/office/powerpoint/2015/main" val="1"/>
+              </p:ext>
+            </p:extLst>
+          </p:nvPr>
+        </p:nvSpPr>
+        <p:spPr>
+          <a:xfrm>
+            <a:off x="0" y="0"/>
+            <a:ext cx="12192000" cy="6858000"/>
+          </a:xfrm>
+          <a:prstGeom prst="rect">
+            <a:avLst/>
+          </a:prstGeom>
+          <a:ln w="12700" cap="flat" cmpd="sng" algn="ctr">
+            <a:noFill/>
+            <a:prstDash val="solid"/>
+            <a:miter lim="800000"/>
+          </a:ln>
+          <a:effectLst/>
+          <a:extLst>
+            <a:ext uri="{91240B29-F687-4F45-9708-019B960494DF}">
+              <a14:hiddenLine xmlns:a14="http://schemas.microsoft.com/office/drawing/2010/main" w="12700" cap="flat" cmpd="sng" algn="ctr">
+                <a:solidFill>
+                  <a:schemeClr val="accent1">
+                    <a:shade val="50000"/>
+                  </a:schemeClr>
+                </a:solidFill>
+                <a:prstDash val="solid"/>
+                <a:miter lim="800000"/>
+              </a14:hiddenLine>
+            </a:ext>
+          </a:extLst>
+        </p:spPr>
+        <p:style>
+          <a:lnRef idx="2">
+            <a:schemeClr val="accent1">
+              <a:shade val="50000"/>
+            </a:schemeClr>
+          </a:lnRef>
+          <a:fillRef idx="1">
+            <a:schemeClr val="accent1"/>
+          </a:fillRef>
+          <a:effectRef idx="0">
+            <a:schemeClr val="accent1"/>
+          </a:effectRef>
+          <a:fontRef idx="minor">
+            <a:schemeClr val="lt1"/>
+          </a:fontRef>
+        </p:style>
+        <p:txBody>
+          <a:bodyPr rtlCol="0" anchor="ctr"/>
+          <a:lstStyle/>
+          <a:p>
+            <a:pPr algn="ctr"/>
+            <a:endParaRPr lang="en-US"/>
+          </a:p>
+        </p:txBody>
+      </p:sp>
       <p:sp>
         <p:nvSpPr>
           <p:cNvPr id="2" name="Titolo 1">
@@ -7023,8 +7099,8 @@
         </p:nvSpPr>
         <p:spPr>
           <a:xfrm>
-            <a:off x="1085851" y="1089025"/>
-            <a:ext cx="4451349" cy="1532951"/>
+            <a:off x="1080000" y="540033"/>
+            <a:ext cx="4426782" cy="1331604"/>
           </a:xfrm>
         </p:spPr>
         <p:txBody>
@@ -7043,6 +7119,543 @@
               <a:t>dati</a:t>
             </a:r>
             <a:endParaRPr lang="en-US" dirty="0"/>
+          </a:p>
+        </p:txBody>
+      </p:sp>
+      <p:cxnSp>
+        <p:nvCxnSpPr>
+          <p:cNvPr id="122" name="Straight Connector 121">
+            <a:extLst>
+              <a:ext uri="{FF2B5EF4-FFF2-40B4-BE49-F238E27FC236}">
+                <a16:creationId xmlns:a16="http://schemas.microsoft.com/office/drawing/2014/main" id="{77C6DF49-CBE3-4038-AC78-35DE4FD7CE8E}"/>
+              </a:ext>
+              <a:ext uri="{C183D7F6-B498-43B3-948B-1728B52AA6E4}">
+                <adec:decorative xmlns:adec="http://schemas.microsoft.com/office/drawing/2017/decorative" val="1"/>
+              </a:ext>
+            </a:extLst>
+          </p:cNvPr>
+          <p:cNvCxnSpPr>
+            <a:cxnSpLocks noGrp="1" noRot="1" noChangeAspect="1" noMove="1" noResize="1" noEditPoints="1" noAdjustHandles="1" noChangeArrowheads="1" noChangeShapeType="1"/>
+          </p:cNvCxnSpPr>
+          <p:nvPr>
+            <p:extLst>
+              <p:ext uri="{386F3935-93C4-4BCD-93E2-E3B085C9AB24}">
+                <p16:designElem xmlns:p16="http://schemas.microsoft.com/office/powerpoint/2015/main" val="1"/>
+              </p:ext>
+            </p:extLst>
+          </p:nvPr>
+        </p:nvCxnSpPr>
+        <p:spPr>
+          <a:xfrm>
+            <a:off x="3023391" y="2310207"/>
+            <a:ext cx="540000" cy="0"/>
+          </a:xfrm>
+          <a:prstGeom prst="line">
+            <a:avLst/>
+          </a:prstGeom>
+          <a:ln w="12700">
+            <a:solidFill>
+              <a:schemeClr val="tx1"/>
+            </a:solidFill>
+          </a:ln>
+        </p:spPr>
+        <p:style>
+          <a:lnRef idx="1">
+            <a:schemeClr val="accent1"/>
+          </a:lnRef>
+          <a:fillRef idx="0">
+            <a:schemeClr val="accent1"/>
+          </a:fillRef>
+          <a:effectRef idx="0">
+            <a:schemeClr val="accent1"/>
+          </a:effectRef>
+          <a:fontRef idx="minor">
+            <a:schemeClr val="tx1"/>
+          </a:fontRef>
+        </p:style>
+      </p:cxnSp>
+      <p:sp>
+        <p:nvSpPr>
+          <p:cNvPr id="8" name="CasellaDiTesto 7">
+            <a:extLst>
+              <a:ext uri="{FF2B5EF4-FFF2-40B4-BE49-F238E27FC236}">
+                <a16:creationId xmlns:a16="http://schemas.microsoft.com/office/drawing/2014/main" id="{79B07E60-09CA-46DE-C251-B4A204E9927C}"/>
+              </a:ext>
+            </a:extLst>
+          </p:cNvPr>
+          <p:cNvSpPr txBox="1"/>
+          <p:nvPr/>
+        </p:nvSpPr>
+        <p:spPr>
+          <a:xfrm>
+            <a:off x="863041" y="2773533"/>
+            <a:ext cx="5400699" cy="3009899"/>
+          </a:xfrm>
+          <a:prstGeom prst="rect">
+            <a:avLst/>
+          </a:prstGeom>
+        </p:spPr>
+        <p:txBody>
+          <a:bodyPr vert="horz" lIns="0" tIns="0" rIns="0" bIns="0" rtlCol="0" anchor="t" anchorCtr="0">
+            <a:normAutofit/>
+          </a:bodyPr>
+          <a:lstStyle/>
+          <a:p>
+            <a:pPr marL="342900" indent="-342900">
+              <a:lnSpc>
+                <a:spcPct val="125000"/>
+              </a:lnSpc>
+              <a:spcAft>
+                <a:spcPts val="600"/>
+              </a:spcAft>
+              <a:buClr>
+                <a:schemeClr val="accent1">
+                  <a:lumMod val="60000"/>
+                  <a:lumOff val="40000"/>
+                </a:schemeClr>
+              </a:buClr>
+              <a:buFont typeface="Arial" panose="020B0604020202020204" pitchFamily="34" charset="0"/>
+              <a:buChar char="•"/>
+            </a:pPr>
+            <a:r>
+              <a:rPr lang="en-US" sz="2000" dirty="0" err="1">
+                <a:solidFill>
+                  <a:schemeClr val="tx1">
+                    <a:alpha val="70000"/>
+                  </a:schemeClr>
+                </a:solidFill>
+              </a:rPr>
+              <a:t>Dati</a:t>
+            </a:r>
+            <a:r>
+              <a:rPr lang="en-US" sz="2000" dirty="0">
+                <a:solidFill>
+                  <a:schemeClr val="tx1">
+                    <a:alpha val="70000"/>
+                  </a:schemeClr>
+                </a:solidFill>
+              </a:rPr>
+              <a:t> </a:t>
+            </a:r>
+            <a:r>
+              <a:rPr lang="en-US" sz="2000" u="sng" dirty="0" err="1">
+                <a:solidFill>
+                  <a:schemeClr val="tx1">
+                    <a:alpha val="70000"/>
+                  </a:schemeClr>
+                </a:solidFill>
+              </a:rPr>
+              <a:t>tabulari</a:t>
+            </a:r>
+            <a:r>
+              <a:rPr lang="en-US" sz="2000" dirty="0">
+                <a:solidFill>
+                  <a:schemeClr val="tx1">
+                    <a:alpha val="70000"/>
+                  </a:schemeClr>
+                </a:solidFill>
+              </a:rPr>
+              <a:t> in report </a:t>
+            </a:r>
+            <a:r>
+              <a:rPr lang="en-US" sz="2000" dirty="0" err="1">
+                <a:solidFill>
+                  <a:schemeClr val="tx1">
+                    <a:alpha val="70000"/>
+                  </a:schemeClr>
+                </a:solidFill>
+              </a:rPr>
+              <a:t>annuali</a:t>
+            </a:r>
+            <a:r>
+              <a:rPr lang="en-US" sz="2000" dirty="0">
+                <a:solidFill>
+                  <a:schemeClr val="tx1">
+                    <a:alpha val="70000"/>
+                  </a:schemeClr>
+                </a:solidFill>
+              </a:rPr>
+              <a:t> </a:t>
+            </a:r>
+            <a:r>
+              <a:rPr lang="en-US" sz="2000" dirty="0" err="1">
+                <a:solidFill>
+                  <a:schemeClr val="tx1">
+                    <a:alpha val="70000"/>
+                  </a:schemeClr>
+                </a:solidFill>
+              </a:rPr>
+              <a:t>formato</a:t>
+            </a:r>
+            <a:r>
+              <a:rPr lang="en-US" sz="2000" dirty="0">
+                <a:solidFill>
+                  <a:schemeClr val="tx1">
+                    <a:alpha val="70000"/>
+                  </a:schemeClr>
+                </a:solidFill>
+              </a:rPr>
+              <a:t> </a:t>
+            </a:r>
+            <a:r>
+              <a:rPr lang="en-US" sz="2000" b="1" dirty="0">
+                <a:solidFill>
+                  <a:schemeClr val="tx1">
+                    <a:alpha val="70000"/>
+                  </a:schemeClr>
+                </a:solidFill>
+              </a:rPr>
+              <a:t>pdf</a:t>
+            </a:r>
+          </a:p>
+          <a:p>
+            <a:pPr marL="342900" indent="-342900">
+              <a:lnSpc>
+                <a:spcPct val="125000"/>
+              </a:lnSpc>
+              <a:spcAft>
+                <a:spcPts val="600"/>
+              </a:spcAft>
+              <a:buClr>
+                <a:schemeClr val="accent1">
+                  <a:lumMod val="60000"/>
+                  <a:lumOff val="40000"/>
+                </a:schemeClr>
+              </a:buClr>
+              <a:buFont typeface="Arial" panose="020B0604020202020204" pitchFamily="34" charset="0"/>
+              <a:buChar char="•"/>
+            </a:pPr>
+            <a:r>
+              <a:rPr lang="en-US" sz="2000" dirty="0" err="1">
+                <a:solidFill>
+                  <a:schemeClr val="tx1">
+                    <a:alpha val="70000"/>
+                  </a:schemeClr>
+                </a:solidFill>
+              </a:rPr>
+              <a:t>Dati</a:t>
+            </a:r>
+            <a:r>
+              <a:rPr lang="en-US" sz="2000" dirty="0">
+                <a:solidFill>
+                  <a:schemeClr val="tx1">
+                    <a:alpha val="70000"/>
+                  </a:schemeClr>
+                </a:solidFill>
+              </a:rPr>
+              <a:t> in </a:t>
+            </a:r>
+            <a:r>
+              <a:rPr lang="en-US" sz="2000" dirty="0" err="1">
+                <a:solidFill>
+                  <a:schemeClr val="tx1">
+                    <a:alpha val="70000"/>
+                  </a:schemeClr>
+                </a:solidFill>
+              </a:rPr>
+              <a:t>formato</a:t>
+            </a:r>
+            <a:r>
+              <a:rPr lang="en-US" sz="2000" dirty="0">
+                <a:solidFill>
+                  <a:schemeClr val="tx1">
+                    <a:alpha val="70000"/>
+                  </a:schemeClr>
+                </a:solidFill>
+              </a:rPr>
+              <a:t> </a:t>
+            </a:r>
+            <a:r>
+              <a:rPr lang="en-US" sz="2000" b="1" dirty="0">
+                <a:solidFill>
+                  <a:schemeClr val="tx1">
+                    <a:alpha val="70000"/>
+                  </a:schemeClr>
+                </a:solidFill>
+              </a:rPr>
+              <a:t>excel</a:t>
+            </a:r>
+          </a:p>
+          <a:p>
+            <a:pPr marL="342900" indent="-342900">
+              <a:lnSpc>
+                <a:spcPct val="125000"/>
+              </a:lnSpc>
+              <a:spcAft>
+                <a:spcPts val="600"/>
+              </a:spcAft>
+              <a:buClr>
+                <a:schemeClr val="accent1">
+                  <a:lumMod val="60000"/>
+                  <a:lumOff val="40000"/>
+                </a:schemeClr>
+              </a:buClr>
+              <a:buFont typeface="Arial" panose="020B0604020202020204" pitchFamily="34" charset="0"/>
+              <a:buChar char="•"/>
+            </a:pPr>
+            <a:r>
+              <a:rPr lang="en-US" sz="2000" dirty="0" err="1">
+                <a:solidFill>
+                  <a:schemeClr val="tx1">
+                    <a:alpha val="70000"/>
+                  </a:schemeClr>
+                </a:solidFill>
+              </a:rPr>
+              <a:t>Poca</a:t>
+            </a:r>
+            <a:r>
+              <a:rPr lang="en-US" sz="2000" dirty="0">
+                <a:solidFill>
+                  <a:schemeClr val="tx1">
+                    <a:alpha val="70000"/>
+                  </a:schemeClr>
+                </a:solidFill>
+              </a:rPr>
+              <a:t> </a:t>
+            </a:r>
+            <a:r>
+              <a:rPr lang="en-US" sz="2000" dirty="0" err="1">
+                <a:solidFill>
+                  <a:schemeClr val="tx1">
+                    <a:alpha val="70000"/>
+                  </a:schemeClr>
+                </a:solidFill>
+              </a:rPr>
+              <a:t>coerenza</a:t>
+            </a:r>
+            <a:r>
+              <a:rPr lang="en-US" sz="2000" dirty="0">
+                <a:solidFill>
+                  <a:schemeClr val="tx1">
+                    <a:alpha val="70000"/>
+                  </a:schemeClr>
+                </a:solidFill>
+              </a:rPr>
+              <a:t> con </a:t>
+            </a:r>
+            <a:r>
+              <a:rPr lang="en-US" sz="2000" dirty="0" err="1">
+                <a:solidFill>
+                  <a:schemeClr val="tx1">
+                    <a:alpha val="70000"/>
+                  </a:schemeClr>
+                </a:solidFill>
+              </a:rPr>
+              <a:t>i</a:t>
+            </a:r>
+            <a:r>
+              <a:rPr lang="en-US" sz="2000" dirty="0">
+                <a:solidFill>
+                  <a:schemeClr val="tx1">
+                    <a:alpha val="70000"/>
+                  </a:schemeClr>
+                </a:solidFill>
+              </a:rPr>
+              <a:t> </a:t>
+            </a:r>
+            <a:r>
+              <a:rPr lang="en-US" sz="2000" dirty="0" err="1">
+                <a:solidFill>
+                  <a:schemeClr val="tx1">
+                    <a:alpha val="70000"/>
+                  </a:schemeClr>
+                </a:solidFill>
+              </a:rPr>
+              <a:t>nomi</a:t>
+            </a:r>
+            <a:r>
+              <a:rPr lang="en-US" sz="2000" dirty="0">
+                <a:solidFill>
+                  <a:schemeClr val="tx1">
+                    <a:alpha val="70000"/>
+                  </a:schemeClr>
+                </a:solidFill>
+              </a:rPr>
+              <a:t> </a:t>
+            </a:r>
+            <a:r>
+              <a:rPr lang="en-US" sz="2000" dirty="0" err="1">
+                <a:solidFill>
+                  <a:schemeClr val="tx1">
+                    <a:alpha val="70000"/>
+                  </a:schemeClr>
+                </a:solidFill>
+              </a:rPr>
+              <a:t>dei</a:t>
+            </a:r>
+            <a:r>
+              <a:rPr lang="en-US" sz="2000" dirty="0">
+                <a:solidFill>
+                  <a:schemeClr val="tx1">
+                    <a:alpha val="70000"/>
+                  </a:schemeClr>
+                </a:solidFill>
+              </a:rPr>
+              <a:t> </a:t>
+            </a:r>
+            <a:r>
+              <a:rPr lang="en-US" sz="2000" dirty="0" err="1">
+                <a:solidFill>
+                  <a:schemeClr val="tx1">
+                    <a:alpha val="70000"/>
+                  </a:schemeClr>
+                </a:solidFill>
+              </a:rPr>
+              <a:t>dati</a:t>
+            </a:r>
+            <a:r>
+              <a:rPr lang="en-US" sz="2000" dirty="0">
+                <a:solidFill>
+                  <a:schemeClr val="tx1">
+                    <a:alpha val="70000"/>
+                  </a:schemeClr>
+                </a:solidFill>
+              </a:rPr>
+              <a:t> </a:t>
+            </a:r>
+            <a:r>
+              <a:rPr lang="en-US" sz="2000" dirty="0" err="1">
+                <a:solidFill>
+                  <a:schemeClr val="tx1">
+                    <a:alpha val="70000"/>
+                  </a:schemeClr>
+                </a:solidFill>
+              </a:rPr>
+              <a:t>negli</a:t>
+            </a:r>
+            <a:r>
+              <a:rPr lang="en-US" sz="2000" dirty="0">
+                <a:solidFill>
+                  <a:schemeClr val="tx1">
+                    <a:alpha val="70000"/>
+                  </a:schemeClr>
+                </a:solidFill>
+              </a:rPr>
+              <a:t> anni</a:t>
+            </a:r>
+          </a:p>
+          <a:p>
+            <a:pPr marL="342900" indent="-342900">
+              <a:lnSpc>
+                <a:spcPct val="125000"/>
+              </a:lnSpc>
+              <a:spcAft>
+                <a:spcPts val="600"/>
+              </a:spcAft>
+              <a:buClr>
+                <a:schemeClr val="accent1">
+                  <a:lumMod val="60000"/>
+                  <a:lumOff val="40000"/>
+                </a:schemeClr>
+              </a:buClr>
+              <a:buFont typeface="Arial" panose="020B0604020202020204" pitchFamily="34" charset="0"/>
+              <a:buChar char="•"/>
+            </a:pPr>
+            <a:r>
+              <a:rPr lang="en-US" sz="2000" dirty="0" err="1">
+                <a:solidFill>
+                  <a:schemeClr val="tx1">
+                    <a:alpha val="70000"/>
+                  </a:schemeClr>
+                </a:solidFill>
+              </a:rPr>
+              <a:t>Automazione</a:t>
+            </a:r>
+            <a:r>
+              <a:rPr lang="en-US" sz="2000" dirty="0">
+                <a:solidFill>
+                  <a:schemeClr val="tx1">
+                    <a:alpha val="70000"/>
+                  </a:schemeClr>
+                </a:solidFill>
+              </a:rPr>
+              <a:t> </a:t>
+            </a:r>
+            <a:r>
+              <a:rPr lang="en-US" sz="2000" dirty="0" err="1">
+                <a:solidFill>
+                  <a:schemeClr val="tx1">
+                    <a:alpha val="70000"/>
+                  </a:schemeClr>
+                </a:solidFill>
+              </a:rPr>
+              <a:t>nell’estrarre</a:t>
+            </a:r>
+            <a:r>
+              <a:rPr lang="en-US" sz="2000" dirty="0">
+                <a:solidFill>
+                  <a:schemeClr val="tx1">
+                    <a:alpha val="70000"/>
+                  </a:schemeClr>
+                </a:solidFill>
+              </a:rPr>
+              <a:t> </a:t>
+            </a:r>
+            <a:r>
+              <a:rPr lang="en-US" sz="2000" dirty="0" err="1">
+                <a:solidFill>
+                  <a:schemeClr val="tx1">
+                    <a:alpha val="70000"/>
+                  </a:schemeClr>
+                </a:solidFill>
+              </a:rPr>
+              <a:t>i</a:t>
+            </a:r>
+            <a:r>
+              <a:rPr lang="en-US" sz="2000" dirty="0">
+                <a:solidFill>
+                  <a:schemeClr val="tx1">
+                    <a:alpha val="70000"/>
+                  </a:schemeClr>
+                </a:solidFill>
+              </a:rPr>
+              <a:t> </a:t>
+            </a:r>
+            <a:r>
+              <a:rPr lang="en-US" sz="2000" dirty="0" err="1">
+                <a:solidFill>
+                  <a:schemeClr val="tx1">
+                    <a:alpha val="70000"/>
+                  </a:schemeClr>
+                </a:solidFill>
+              </a:rPr>
+              <a:t>dati</a:t>
+            </a:r>
+            <a:r>
+              <a:rPr lang="en-US" sz="2000" dirty="0">
+                <a:solidFill>
+                  <a:schemeClr val="tx1">
+                    <a:alpha val="70000"/>
+                  </a:schemeClr>
+                </a:solidFill>
+              </a:rPr>
+              <a:t> difficile</a:t>
+            </a:r>
+          </a:p>
+          <a:p>
+            <a:pPr marL="342900" indent="-342900">
+              <a:lnSpc>
+                <a:spcPct val="125000"/>
+              </a:lnSpc>
+              <a:spcAft>
+                <a:spcPts val="600"/>
+              </a:spcAft>
+              <a:buClr>
+                <a:schemeClr val="accent1">
+                  <a:lumMod val="60000"/>
+                  <a:lumOff val="40000"/>
+                </a:schemeClr>
+              </a:buClr>
+              <a:buFont typeface="Arial" panose="020B0604020202020204" pitchFamily="34" charset="0"/>
+              <a:buChar char="•"/>
+            </a:pPr>
+            <a:endParaRPr lang="en-US" sz="2000" dirty="0">
+              <a:solidFill>
+                <a:schemeClr val="tx1">
+                  <a:alpha val="70000"/>
+                </a:schemeClr>
+              </a:solidFill>
+            </a:endParaRPr>
           </a:p>
         </p:txBody>
       </p:sp>
@@ -7077,8 +7690,8 @@
         </p:blipFill>
         <p:spPr>
           <a:xfrm>
-            <a:off x="7198864" y="1202958"/>
-            <a:ext cx="4452148" cy="4452148"/>
+            <a:off x="7721600" y="1417637"/>
+            <a:ext cx="4022726" cy="4022726"/>
           </a:xfrm>
           <a:prstGeom prst="rect">
             <a:avLst/>

--- a/presentazione_davide_carniselli.pptx
+++ b/presentazione_davide_carniselli.pptx
@@ -299,7 +299,7 @@
           <a:p>
             <a:fld id="{64F0E216-BA48-4F04-AC4F-645AA0DD6AC6}" type="datetimeFigureOut">
               <a:rPr lang="en-US" smtClean="0"/>
-              <a:t>11/28/2022</a:t>
+              <a:t>11/30/2022</a:t>
             </a:fld>
             <a:endParaRPr lang="en-US" dirty="0"/>
           </a:p>
@@ -1347,7 +1347,7 @@
           <a:p>
             <a:fld id="{64F0E216-BA48-4F04-AC4F-645AA0DD6AC6}" type="datetimeFigureOut">
               <a:rPr lang="en-US" smtClean="0"/>
-              <a:t>11/28/2022</a:t>
+              <a:t>11/30/2022</a:t>
             </a:fld>
             <a:endParaRPr lang="en-US"/>
           </a:p>
@@ -1583,7 +1583,7 @@
           <a:p>
             <a:fld id="{64F0E216-BA48-4F04-AC4F-645AA0DD6AC6}" type="datetimeFigureOut">
               <a:rPr lang="en-US" smtClean="0"/>
-              <a:t>11/28/2022</a:t>
+              <a:t>11/30/2022</a:t>
             </a:fld>
             <a:endParaRPr lang="en-US"/>
           </a:p>
@@ -1806,7 +1806,7 @@
           <a:p>
             <a:fld id="{64F0E216-BA48-4F04-AC4F-645AA0DD6AC6}" type="datetimeFigureOut">
               <a:rPr lang="en-US" smtClean="0"/>
-              <a:t>11/28/2022</a:t>
+              <a:t>11/30/2022</a:t>
             </a:fld>
             <a:endParaRPr lang="en-US"/>
           </a:p>
@@ -2108,7 +2108,7 @@
           <a:p>
             <a:fld id="{64F0E216-BA48-4F04-AC4F-645AA0DD6AC6}" type="datetimeFigureOut">
               <a:rPr lang="en-US" smtClean="0"/>
-              <a:t>11/28/2022</a:t>
+              <a:t>11/30/2022</a:t>
             </a:fld>
             <a:endParaRPr lang="en-US"/>
           </a:p>
@@ -3572,7 +3572,7 @@
           <a:p>
             <a:fld id="{64F0E216-BA48-4F04-AC4F-645AA0DD6AC6}" type="datetimeFigureOut">
               <a:rPr lang="en-US" smtClean="0"/>
-              <a:t>11/28/2022</a:t>
+              <a:t>11/30/2022</a:t>
             </a:fld>
             <a:endParaRPr lang="en-US"/>
           </a:p>
@@ -4039,7 +4039,7 @@
           <a:p>
             <a:fld id="{64F0E216-BA48-4F04-AC4F-645AA0DD6AC6}" type="datetimeFigureOut">
               <a:rPr lang="en-US" smtClean="0"/>
-              <a:t>11/28/2022</a:t>
+              <a:t>11/30/2022</a:t>
             </a:fld>
             <a:endParaRPr lang="en-US"/>
           </a:p>
@@ -4214,7 +4214,7 @@
           <a:p>
             <a:fld id="{64F0E216-BA48-4F04-AC4F-645AA0DD6AC6}" type="datetimeFigureOut">
               <a:rPr lang="en-US" smtClean="0"/>
-              <a:t>11/28/2022</a:t>
+              <a:t>11/30/2022</a:t>
             </a:fld>
             <a:endParaRPr lang="en-US"/>
           </a:p>
@@ -4351,7 +4351,7 @@
           <a:p>
             <a:fld id="{64F0E216-BA48-4F04-AC4F-645AA0DD6AC6}" type="datetimeFigureOut">
               <a:rPr lang="en-US" smtClean="0"/>
-              <a:t>11/28/2022</a:t>
+              <a:t>11/30/2022</a:t>
             </a:fld>
             <a:endParaRPr lang="en-US"/>
           </a:p>
@@ -4701,7 +4701,7 @@
           <a:p>
             <a:fld id="{64F0E216-BA48-4F04-AC4F-645AA0DD6AC6}" type="datetimeFigureOut">
               <a:rPr lang="en-US" smtClean="0"/>
-              <a:t>11/28/2022</a:t>
+              <a:t>11/30/2022</a:t>
             </a:fld>
             <a:endParaRPr lang="en-US"/>
           </a:p>
@@ -5022,7 +5022,7 @@
           <a:p>
             <a:fld id="{64F0E216-BA48-4F04-AC4F-645AA0DD6AC6}" type="datetimeFigureOut">
               <a:rPr lang="en-US" smtClean="0"/>
-              <a:t>11/28/2022</a:t>
+              <a:t>11/30/2022</a:t>
             </a:fld>
             <a:endParaRPr lang="en-US"/>
           </a:p>
@@ -5284,7 +5284,7 @@
             <a:fld id="{64F0E216-BA48-4F04-AC4F-645AA0DD6AC6}" type="datetimeFigureOut">
               <a:rPr lang="en-US" smtClean="0"/>
               <a:pPr/>
-              <a:t>11/28/2022</a:t>
+              <a:t>11/30/2022</a:t>
             </a:fld>
             <a:endParaRPr lang="en-US" dirty="0"/>
           </a:p>
@@ -8356,76 +8356,6 @@
           </a:p>
         </p:txBody>
       </p:sp>
-      <p:pic>
-        <p:nvPicPr>
-          <p:cNvPr id="9" name="Segnaposto contenuto 8">
-            <a:extLst>
-              <a:ext uri="{FF2B5EF4-FFF2-40B4-BE49-F238E27FC236}">
-                <a16:creationId xmlns:a16="http://schemas.microsoft.com/office/drawing/2014/main" id="{9C385E2D-322A-E546-5775-781E787CB1AD}"/>
-              </a:ext>
-            </a:extLst>
-          </p:cNvPr>
-          <p:cNvPicPr>
-            <a:picLocks noGrp="1" noChangeAspect="1"/>
-          </p:cNvPicPr>
-          <p:nvPr>
-            <p:ph sz="half" idx="1"/>
-          </p:nvPr>
-        </p:nvPicPr>
-        <p:blipFill>
-          <a:blip r:embed="rId2">
-            <a:extLst>
-              <a:ext uri="{28A0092B-C50C-407E-A947-70E740481C1C}">
-                <a14:useLocalDpi xmlns:a14="http://schemas.microsoft.com/office/drawing/2010/main" val="0"/>
-              </a:ext>
-            </a:extLst>
-          </a:blip>
-          <a:stretch>
-            <a:fillRect/>
-          </a:stretch>
-        </p:blipFill>
-        <p:spPr>
-          <a:xfrm>
-            <a:off x="-3833623" y="843230"/>
-            <a:ext cx="13553695" cy="6089656"/>
-          </a:xfrm>
-        </p:spPr>
-      </p:pic>
-      <p:pic>
-        <p:nvPicPr>
-          <p:cNvPr id="11" name="Segnaposto contenuto 10">
-            <a:extLst>
-              <a:ext uri="{FF2B5EF4-FFF2-40B4-BE49-F238E27FC236}">
-                <a16:creationId xmlns:a16="http://schemas.microsoft.com/office/drawing/2014/main" id="{6865454E-CD71-A089-6EC3-6942C656242E}"/>
-              </a:ext>
-            </a:extLst>
-          </p:cNvPr>
-          <p:cNvPicPr>
-            <a:picLocks noGrp="1" noChangeAspect="1"/>
-          </p:cNvPicPr>
-          <p:nvPr>
-            <p:ph sz="half" idx="2"/>
-          </p:nvPr>
-        </p:nvPicPr>
-        <p:blipFill>
-          <a:blip r:embed="rId3">
-            <a:extLst>
-              <a:ext uri="{28A0092B-C50C-407E-A947-70E740481C1C}">
-                <a14:useLocalDpi xmlns:a14="http://schemas.microsoft.com/office/drawing/2010/main" val="0"/>
-              </a:ext>
-            </a:extLst>
-          </a:blip>
-          <a:stretch>
-            <a:fillRect/>
-          </a:stretch>
-        </p:blipFill>
-        <p:spPr>
-          <a:xfrm>
-            <a:off x="1828236" y="1284327"/>
-            <a:ext cx="12811309" cy="5756103"/>
-          </a:xfrm>
-        </p:spPr>
-      </p:pic>
       <p:sp>
         <p:nvSpPr>
           <p:cNvPr id="12" name="CasellaDiTesto 11">
@@ -8541,19 +8471,19 @@
             <a:pPr algn="ctr"/>
             <a:r>
               <a:rPr lang="it-IT" dirty="0">
-                <a:hlinkClick r:id="rId4" action="ppaction://hlinkfile"/>
+                <a:hlinkClick r:id="rId2" action="ppaction://hlinkfile"/>
               </a:rPr>
               <a:t>Attori italiani, </a:t>
             </a:r>
             <a:r>
               <a:rPr lang="it-IT" dirty="0" err="1">
-                <a:hlinkClick r:id="rId4" action="ppaction://hlinkfile"/>
+                <a:hlinkClick r:id="rId2" action="ppaction://hlinkfile"/>
               </a:rPr>
               <a:t>depth</a:t>
             </a:r>
             <a:r>
               <a:rPr lang="it-IT" dirty="0">
-                <a:hlinkClick r:id="rId4" action="ppaction://hlinkfile"/>
+                <a:hlinkClick r:id="rId2" action="ppaction://hlinkfile"/>
               </a:rPr>
               <a:t> 2</a:t>
             </a:r>
@@ -8592,19 +8522,19 @@
             <a:pPr algn="ctr"/>
             <a:r>
               <a:rPr lang="it-IT" dirty="0">
-                <a:hlinkClick r:id="rId5" action="ppaction://hlinkfile"/>
+                <a:hlinkClick r:id="rId3" action="ppaction://hlinkfile"/>
               </a:rPr>
               <a:t>Attori italiani, </a:t>
             </a:r>
             <a:r>
               <a:rPr lang="it-IT" dirty="0" err="1">
-                <a:hlinkClick r:id="rId5" action="ppaction://hlinkfile"/>
+                <a:hlinkClick r:id="rId3" action="ppaction://hlinkfile"/>
               </a:rPr>
               <a:t>depth</a:t>
             </a:r>
             <a:r>
               <a:rPr lang="it-IT" dirty="0">
-                <a:hlinkClick r:id="rId5" action="ppaction://hlinkfile"/>
+                <a:hlinkClick r:id="rId3" action="ppaction://hlinkfile"/>
               </a:rPr>
               <a:t> 3</a:t>
             </a:r>
@@ -8612,6 +8542,76 @@
           </a:p>
         </p:txBody>
       </p:sp>
+      <p:pic>
+        <p:nvPicPr>
+          <p:cNvPr id="8" name="Segnaposto contenuto 7" descr="Immagine che contiene oggetto da esterni&#10;&#10;Descrizione generata automaticamente">
+            <a:extLst>
+              <a:ext uri="{FF2B5EF4-FFF2-40B4-BE49-F238E27FC236}">
+                <a16:creationId xmlns:a16="http://schemas.microsoft.com/office/drawing/2014/main" id="{FE4FADF2-9233-C133-CF0E-4420EE1CF5B1}"/>
+              </a:ext>
+            </a:extLst>
+          </p:cNvPr>
+          <p:cNvPicPr>
+            <a:picLocks noGrp="1" noChangeAspect="1"/>
+          </p:cNvPicPr>
+          <p:nvPr>
+            <p:ph sz="half" idx="1"/>
+          </p:nvPr>
+        </p:nvPicPr>
+        <p:blipFill>
+          <a:blip r:embed="rId4">
+            <a:extLst>
+              <a:ext uri="{28A0092B-C50C-407E-A947-70E740481C1C}">
+                <a14:useLocalDpi xmlns:a14="http://schemas.microsoft.com/office/drawing/2010/main" val="0"/>
+              </a:ext>
+            </a:extLst>
+          </a:blip>
+          <a:stretch>
+            <a:fillRect/>
+          </a:stretch>
+        </p:blipFill>
+        <p:spPr>
+          <a:xfrm>
+            <a:off x="-2416731" y="1470257"/>
+            <a:ext cx="11152743" cy="5010912"/>
+          </a:xfrm>
+        </p:spPr>
+      </p:pic>
+      <p:pic>
+        <p:nvPicPr>
+          <p:cNvPr id="16" name="Segnaposto contenuto 15" descr="Immagine che contiene scuro, oggetto da esterni, illuminato, ragnatela&#10;&#10;Descrizione generata automaticamente">
+            <a:extLst>
+              <a:ext uri="{FF2B5EF4-FFF2-40B4-BE49-F238E27FC236}">
+                <a16:creationId xmlns:a16="http://schemas.microsoft.com/office/drawing/2014/main" id="{B275CE67-7F67-368C-9012-8B831A62BD7A}"/>
+              </a:ext>
+            </a:extLst>
+          </p:cNvPr>
+          <p:cNvPicPr>
+            <a:picLocks noGrp="1" noChangeAspect="1"/>
+          </p:cNvPicPr>
+          <p:nvPr>
+            <p:ph sz="half" idx="2"/>
+          </p:nvPr>
+        </p:nvPicPr>
+        <p:blipFill>
+          <a:blip r:embed="rId5">
+            <a:extLst>
+              <a:ext uri="{28A0092B-C50C-407E-A947-70E740481C1C}">
+                <a14:useLocalDpi xmlns:a14="http://schemas.microsoft.com/office/drawing/2010/main" val="0"/>
+              </a:ext>
+            </a:extLst>
+          </a:blip>
+          <a:stretch>
+            <a:fillRect/>
+          </a:stretch>
+        </p:blipFill>
+        <p:spPr>
+          <a:xfrm>
+            <a:off x="3264408" y="1627598"/>
+            <a:ext cx="10647999" cy="4784132"/>
+          </a:xfrm>
+        </p:spPr>
+      </p:pic>
     </p:spTree>
     <p:extLst>
       <p:ext uri="{BB962C8B-B14F-4D97-AF65-F5344CB8AC3E}">
@@ -8676,76 +8676,6 @@
           </a:p>
         </p:txBody>
       </p:sp>
-      <p:pic>
-        <p:nvPicPr>
-          <p:cNvPr id="6" name="Segnaposto contenuto 5">
-            <a:extLst>
-              <a:ext uri="{FF2B5EF4-FFF2-40B4-BE49-F238E27FC236}">
-                <a16:creationId xmlns:a16="http://schemas.microsoft.com/office/drawing/2014/main" id="{0781193C-0A1E-3E81-6F9D-400723374D91}"/>
-              </a:ext>
-            </a:extLst>
-          </p:cNvPr>
-          <p:cNvPicPr>
-            <a:picLocks noGrp="1" noChangeAspect="1"/>
-          </p:cNvPicPr>
-          <p:nvPr>
-            <p:ph sz="half" idx="1"/>
-          </p:nvPr>
-        </p:nvPicPr>
-        <p:blipFill>
-          <a:blip r:embed="rId2">
-            <a:extLst>
-              <a:ext uri="{28A0092B-C50C-407E-A947-70E740481C1C}">
-                <a14:useLocalDpi xmlns:a14="http://schemas.microsoft.com/office/drawing/2010/main" val="0"/>
-              </a:ext>
-            </a:extLst>
-          </a:blip>
-          <a:stretch>
-            <a:fillRect/>
-          </a:stretch>
-        </p:blipFill>
-        <p:spPr>
-          <a:xfrm>
-            <a:off x="-3237625" y="1570632"/>
-            <a:ext cx="11130548" cy="5000940"/>
-          </a:xfrm>
-        </p:spPr>
-      </p:pic>
-      <p:pic>
-        <p:nvPicPr>
-          <p:cNvPr id="8" name="Segnaposto contenuto 7">
-            <a:extLst>
-              <a:ext uri="{FF2B5EF4-FFF2-40B4-BE49-F238E27FC236}">
-                <a16:creationId xmlns:a16="http://schemas.microsoft.com/office/drawing/2014/main" id="{978572F5-13F1-0C64-585C-58993AE78265}"/>
-              </a:ext>
-            </a:extLst>
-          </p:cNvPr>
-          <p:cNvPicPr>
-            <a:picLocks noGrp="1" noChangeAspect="1"/>
-          </p:cNvPicPr>
-          <p:nvPr>
-            <p:ph sz="half" idx="2"/>
-          </p:nvPr>
-        </p:nvPicPr>
-        <p:blipFill>
-          <a:blip r:embed="rId3">
-            <a:extLst>
-              <a:ext uri="{28A0092B-C50C-407E-A947-70E740481C1C}">
-                <a14:useLocalDpi xmlns:a14="http://schemas.microsoft.com/office/drawing/2010/main" val="0"/>
-              </a:ext>
-            </a:extLst>
-          </a:blip>
-          <a:stretch>
-            <a:fillRect/>
-          </a:stretch>
-        </p:blipFill>
-        <p:spPr>
-          <a:xfrm>
-            <a:off x="1728217" y="1570632"/>
-            <a:ext cx="10776966" cy="4842076"/>
-          </a:xfrm>
-        </p:spPr>
-      </p:pic>
       <p:sp>
         <p:nvSpPr>
           <p:cNvPr id="9" name="CasellaDiTesto 8">
@@ -8842,7 +8772,7 @@
         </p:nvSpPr>
         <p:spPr>
           <a:xfrm>
-            <a:off x="1444752" y="6236208"/>
+            <a:off x="1338451" y="6236208"/>
             <a:ext cx="3337560" cy="369332"/>
           </a:xfrm>
           <a:prstGeom prst="rect">
@@ -8859,19 +8789,19 @@
             <a:pPr algn="ctr"/>
             <a:r>
               <a:rPr lang="it-IT" dirty="0">
-                <a:hlinkClick r:id="rId4" action="ppaction://hlinkfile"/>
+                <a:hlinkClick r:id="rId2" action="ppaction://hlinkfile"/>
               </a:rPr>
               <a:t>Attori non italiani, </a:t>
             </a:r>
             <a:r>
               <a:rPr lang="it-IT" dirty="0" err="1">
-                <a:hlinkClick r:id="rId4" action="ppaction://hlinkfile"/>
+                <a:hlinkClick r:id="rId2" action="ppaction://hlinkfile"/>
               </a:rPr>
               <a:t>depth</a:t>
             </a:r>
             <a:r>
               <a:rPr lang="it-IT" dirty="0">
-                <a:hlinkClick r:id="rId4" action="ppaction://hlinkfile"/>
+                <a:hlinkClick r:id="rId2" action="ppaction://hlinkfile"/>
               </a:rPr>
               <a:t> 2</a:t>
             </a:r>
@@ -8893,7 +8823,7 @@
         </p:nvSpPr>
         <p:spPr>
           <a:xfrm>
-            <a:off x="7299960" y="6236208"/>
+            <a:off x="7195331" y="6228400"/>
             <a:ext cx="3447288" cy="369332"/>
           </a:xfrm>
           <a:prstGeom prst="rect">
@@ -8910,19 +8840,19 @@
             <a:pPr algn="ctr"/>
             <a:r>
               <a:rPr lang="it-IT" dirty="0">
-                <a:hlinkClick r:id="rId5" action="ppaction://hlinkfile"/>
+                <a:hlinkClick r:id="rId3" action="ppaction://hlinkfile"/>
               </a:rPr>
               <a:t>Attori non italiani, </a:t>
             </a:r>
             <a:r>
               <a:rPr lang="it-IT" dirty="0" err="1">
-                <a:hlinkClick r:id="rId5" action="ppaction://hlinkfile"/>
+                <a:hlinkClick r:id="rId3" action="ppaction://hlinkfile"/>
               </a:rPr>
               <a:t>depth</a:t>
             </a:r>
             <a:r>
               <a:rPr lang="it-IT" dirty="0">
-                <a:hlinkClick r:id="rId5" action="ppaction://hlinkfile"/>
+                <a:hlinkClick r:id="rId3" action="ppaction://hlinkfile"/>
               </a:rPr>
               <a:t> 3</a:t>
             </a:r>
@@ -8930,6 +8860,76 @@
           </a:p>
         </p:txBody>
       </p:sp>
+      <p:pic>
+        <p:nvPicPr>
+          <p:cNvPr id="14" name="Segnaposto contenuto 13" descr="Immagine che contiene scuro, cielo notturno&#10;&#10;Descrizione generata automaticamente">
+            <a:extLst>
+              <a:ext uri="{FF2B5EF4-FFF2-40B4-BE49-F238E27FC236}">
+                <a16:creationId xmlns:a16="http://schemas.microsoft.com/office/drawing/2014/main" id="{36C9FF49-262A-DDAB-89A8-5E9173A7BA53}"/>
+              </a:ext>
+            </a:extLst>
+          </p:cNvPr>
+          <p:cNvPicPr>
+            <a:picLocks noGrp="1" noChangeAspect="1"/>
+          </p:cNvPicPr>
+          <p:nvPr>
+            <p:ph sz="half" idx="1"/>
+          </p:nvPr>
+        </p:nvPicPr>
+        <p:blipFill>
+          <a:blip r:embed="rId4">
+            <a:extLst>
+              <a:ext uri="{28A0092B-C50C-407E-A947-70E740481C1C}">
+                <a14:useLocalDpi xmlns:a14="http://schemas.microsoft.com/office/drawing/2010/main" val="0"/>
+              </a:ext>
+            </a:extLst>
+          </a:blip>
+          <a:stretch>
+            <a:fillRect/>
+          </a:stretch>
+        </p:blipFill>
+        <p:spPr>
+          <a:xfrm>
+            <a:off x="-2540522" y="1554049"/>
+            <a:ext cx="10807347" cy="4855725"/>
+          </a:xfrm>
+        </p:spPr>
+      </p:pic>
+      <p:pic>
+        <p:nvPicPr>
+          <p:cNvPr id="16" name="Segnaposto contenuto 15" descr="Immagine che contiene scuro, notte, cielo notturno&#10;&#10;Descrizione generata automaticamente">
+            <a:extLst>
+              <a:ext uri="{FF2B5EF4-FFF2-40B4-BE49-F238E27FC236}">
+                <a16:creationId xmlns:a16="http://schemas.microsoft.com/office/drawing/2014/main" id="{9964C10D-AAC9-E48C-CFB0-469012E9F46D}"/>
+              </a:ext>
+            </a:extLst>
+          </p:cNvPr>
+          <p:cNvPicPr>
+            <a:picLocks noGrp="1" noChangeAspect="1"/>
+          </p:cNvPicPr>
+          <p:nvPr>
+            <p:ph sz="half" idx="2"/>
+          </p:nvPr>
+        </p:nvPicPr>
+        <p:blipFill>
+          <a:blip r:embed="rId5">
+            <a:extLst>
+              <a:ext uri="{28A0092B-C50C-407E-A947-70E740481C1C}">
+                <a14:useLocalDpi xmlns:a14="http://schemas.microsoft.com/office/drawing/2010/main" val="0"/>
+              </a:ext>
+            </a:extLst>
+          </a:blip>
+          <a:stretch>
+            <a:fillRect/>
+          </a:stretch>
+        </p:blipFill>
+        <p:spPr>
+          <a:xfrm>
+            <a:off x="3168974" y="1377191"/>
+            <a:ext cx="11225682" cy="5043683"/>
+          </a:xfrm>
+        </p:spPr>
+      </p:pic>
     </p:spTree>
     <p:extLst>
       <p:ext uri="{BB962C8B-B14F-4D97-AF65-F5344CB8AC3E}">

--- a/presentazione_davide_carniselli.pptx
+++ b/presentazione_davide_carniselli.pptx
@@ -9039,7 +9039,18 @@
               </a:rPr>
               <a:t>Istat</a:t>
             </a:r>
-            <a:endParaRPr lang="it-IT" dirty="0"/>
+            <a:r>
+              <a:rPr lang="it-IT" dirty="0"/>
+              <a:t>, per </a:t>
+            </a:r>
+            <a:r>
+              <a:rPr lang="it-IT" dirty="0" err="1"/>
+              <a:t>shapefile</a:t>
+            </a:r>
+            <a:r>
+              <a:rPr lang="it-IT" dirty="0"/>
+              <a:t> dell’Italia</a:t>
+            </a:r>
           </a:p>
           <a:p>
             <a:r>
@@ -9048,16 +9059,10 @@
               </a:rPr>
               <a:t>TMDB API</a:t>
             </a:r>
-            <a:endParaRPr lang="it-IT" dirty="0"/>
-          </a:p>
-          <a:p>
-            <a:r>
-              <a:rPr lang="it-IT" dirty="0">
-                <a:hlinkClick r:id="rId6"/>
-              </a:rPr>
-              <a:t>tabula</a:t>
-            </a:r>
-            <a:endParaRPr lang="it-IT" dirty="0"/>
+            <a:r>
+              <a:rPr lang="it-IT" dirty="0"/>
+              <a:t>, per dati film/attori</a:t>
+            </a:r>
           </a:p>
         </p:txBody>
       </p:sp>
@@ -9690,39 +9695,6 @@
           <a:chExt cx="0" cy="0"/>
         </a:xfrm>
       </p:grpSpPr>
-      <p:sp>
-        <p:nvSpPr>
-          <p:cNvPr id="2" name="Titolo 1">
-            <a:extLst>
-              <a:ext uri="{FF2B5EF4-FFF2-40B4-BE49-F238E27FC236}">
-                <a16:creationId xmlns:a16="http://schemas.microsoft.com/office/drawing/2014/main" id="{AFFF0CDC-197E-2217-2578-7562DCC6B972}"/>
-              </a:ext>
-            </a:extLst>
-          </p:cNvPr>
-          <p:cNvSpPr>
-            <a:spLocks noGrp="1"/>
-          </p:cNvSpPr>
-          <p:nvPr>
-            <p:ph type="title"/>
-          </p:nvPr>
-        </p:nvSpPr>
-        <p:spPr>
-          <a:xfrm>
-            <a:off x="1082675" y="434190"/>
-            <a:ext cx="10026650" cy="655637"/>
-          </a:xfrm>
-        </p:spPr>
-        <p:txBody>
-          <a:bodyPr/>
-          <a:lstStyle/>
-          <a:p>
-            <a:r>
-              <a:rPr lang="it-IT" dirty="0"/>
-              <a:t>Incassi regionali</a:t>
-            </a:r>
-          </a:p>
-        </p:txBody>
-      </p:sp>
       <p:pic>
         <p:nvPicPr>
           <p:cNvPr id="7" name="Segnaposto contenuto 6">
@@ -9753,8 +9725,8 @@
         </p:blipFill>
         <p:spPr>
           <a:xfrm>
-            <a:off x="1906707" y="1009466"/>
-            <a:ext cx="8533433" cy="5688956"/>
+            <a:off x="1420910" y="312273"/>
+            <a:ext cx="9350179" cy="6233453"/>
           </a:xfrm>
         </p:spPr>
       </p:pic>

--- a/presentazione_davide_carniselli.pptx
+++ b/presentazione_davide_carniselli.pptx
@@ -31044,7 +31044,7 @@
         <p:spPr>
           <a:xfrm>
             <a:off x="863041" y="2773533"/>
-            <a:ext cx="5400699" cy="3009899"/>
+            <a:ext cx="5883988" cy="3009899"/>
           </a:xfrm>
           <a:prstGeom prst="rect">
             <a:avLst/>
@@ -31160,7 +31160,175 @@
                   </a:schemeClr>
                 </a:solidFill>
               </a:rPr>
-              <a:t>pdf</a:t>
+              <a:t>pdf </a:t>
+            </a:r>
+            <a:r>
+              <a:rPr lang="en-US" sz="2000" b="1" dirty="0">
+                <a:solidFill>
+                  <a:schemeClr val="tx1">
+                    <a:alpha val="70000"/>
+                  </a:schemeClr>
+                </a:solidFill>
+                <a:sym typeface="Wingdings" panose="05000000000000000000" pitchFamily="2" charset="2"/>
+              </a:rPr>
+              <a:t> </a:t>
+            </a:r>
+            <a:r>
+              <a:rPr lang="en-US" sz="2000" dirty="0" err="1">
+                <a:solidFill>
+                  <a:schemeClr val="tx1">
+                    <a:alpha val="70000"/>
+                  </a:schemeClr>
+                </a:solidFill>
+                <a:hlinkClick r:id="rId2"/>
+              </a:rPr>
+              <a:t>Cinetel</a:t>
+            </a:r>
+            <a:endParaRPr lang="en-US" sz="2000" dirty="0">
+              <a:solidFill>
+                <a:schemeClr val="tx1">
+                  <a:alpha val="70000"/>
+                </a:schemeClr>
+              </a:solidFill>
+            </a:endParaRPr>
+          </a:p>
+          <a:p>
+            <a:pPr marL="342900" indent="-342900">
+              <a:lnSpc>
+                <a:spcPct val="125000"/>
+              </a:lnSpc>
+              <a:spcAft>
+                <a:spcPts val="600"/>
+              </a:spcAft>
+              <a:buClr>
+                <a:schemeClr val="accent1">
+                  <a:lumMod val="60000"/>
+                  <a:lumOff val="40000"/>
+                </a:schemeClr>
+              </a:buClr>
+              <a:buFont typeface="Arial" panose="020B0604020202020204" pitchFamily="34" charset="0"/>
+              <a:buChar char="•"/>
+            </a:pPr>
+            <a:r>
+              <a:rPr lang="en-US" sz="2000" dirty="0">
+                <a:solidFill>
+                  <a:schemeClr val="tx1">
+                    <a:alpha val="70000"/>
+                  </a:schemeClr>
+                </a:solidFill>
+                <a:hlinkClick r:id="rId3"/>
+              </a:rPr>
+              <a:t>SIAE</a:t>
+            </a:r>
+            <a:r>
+              <a:rPr lang="en-US" sz="2000" dirty="0">
+                <a:solidFill>
+                  <a:schemeClr val="tx1">
+                    <a:alpha val="70000"/>
+                  </a:schemeClr>
+                </a:solidFill>
+              </a:rPr>
+              <a:t> : </a:t>
+            </a:r>
+            <a:r>
+              <a:rPr lang="en-US" sz="2000" b="1" dirty="0" err="1">
+                <a:solidFill>
+                  <a:schemeClr val="tx1">
+                    <a:alpha val="70000"/>
+                  </a:schemeClr>
+                </a:solidFill>
+              </a:rPr>
+              <a:t>Società</a:t>
+            </a:r>
+            <a:r>
+              <a:rPr lang="en-US" sz="2000" b="1" dirty="0">
+                <a:solidFill>
+                  <a:schemeClr val="tx1">
+                    <a:alpha val="70000"/>
+                  </a:schemeClr>
+                </a:solidFill>
+              </a:rPr>
+              <a:t> </a:t>
+            </a:r>
+            <a:r>
+              <a:rPr lang="en-US" sz="2000" b="1" dirty="0" err="1">
+                <a:solidFill>
+                  <a:schemeClr val="tx1">
+                    <a:alpha val="70000"/>
+                  </a:schemeClr>
+                </a:solidFill>
+              </a:rPr>
+              <a:t>Italiana</a:t>
+            </a:r>
+            <a:r>
+              <a:rPr lang="en-US" sz="2000" b="1" dirty="0">
+                <a:solidFill>
+                  <a:schemeClr val="tx1">
+                    <a:alpha val="70000"/>
+                  </a:schemeClr>
+                </a:solidFill>
+              </a:rPr>
+              <a:t> </a:t>
+            </a:r>
+            <a:r>
+              <a:rPr lang="en-US" sz="2000" b="1" dirty="0" err="1">
+                <a:solidFill>
+                  <a:schemeClr val="tx1">
+                    <a:alpha val="70000"/>
+                  </a:schemeClr>
+                </a:solidFill>
+              </a:rPr>
+              <a:t>degli</a:t>
+            </a:r>
+            <a:r>
+              <a:rPr lang="en-US" sz="2000" b="1" dirty="0">
+                <a:solidFill>
+                  <a:schemeClr val="tx1">
+                    <a:alpha val="70000"/>
+                  </a:schemeClr>
+                </a:solidFill>
+              </a:rPr>
+              <a:t> </a:t>
+            </a:r>
+            <a:r>
+              <a:rPr lang="en-US" sz="2000" b="1" dirty="0" err="1">
+                <a:solidFill>
+                  <a:schemeClr val="tx1">
+                    <a:alpha val="70000"/>
+                  </a:schemeClr>
+                </a:solidFill>
+              </a:rPr>
+              <a:t>Autori</a:t>
+            </a:r>
+            <a:r>
+              <a:rPr lang="en-US" sz="2000" b="1" dirty="0">
+                <a:solidFill>
+                  <a:schemeClr val="tx1">
+                    <a:alpha val="70000"/>
+                  </a:schemeClr>
+                </a:solidFill>
+              </a:rPr>
+              <a:t> ed </a:t>
+            </a:r>
+            <a:r>
+              <a:rPr lang="en-US" sz="2000" b="1" dirty="0" err="1">
+                <a:solidFill>
+                  <a:schemeClr val="tx1">
+                    <a:alpha val="70000"/>
+                  </a:schemeClr>
+                </a:solidFill>
+              </a:rPr>
+              <a:t>Editori</a:t>
+            </a:r>
+            <a:r>
+              <a:rPr lang="en-US" sz="2000" b="1" dirty="0">
+                <a:solidFill>
+                  <a:schemeClr val="tx1">
+                    <a:alpha val="70000"/>
+                  </a:schemeClr>
+                </a:solidFill>
+              </a:rPr>
+              <a:t> </a:t>
             </a:r>
           </a:p>
           <a:p>
@@ -31181,6 +31349,17 @@
               <a:buChar char="•"/>
             </a:pPr>
             <a:r>
+              <a:rPr lang="en-US" sz="2000" dirty="0">
+                <a:solidFill>
+                  <a:schemeClr val="tx1">
+                    <a:alpha val="70000"/>
+                  </a:schemeClr>
+                </a:solidFill>
+                <a:sym typeface="Wingdings" panose="05000000000000000000" pitchFamily="2" charset="2"/>
+              </a:rPr>
+              <a:t> </a:t>
+            </a:r>
+            <a:r>
               <a:rPr lang="en-US" sz="2000" dirty="0" err="1">
                 <a:solidFill>
                   <a:schemeClr val="tx1">
@@ -31189,6 +31368,26 @@
                 </a:solidFill>
               </a:rPr>
               <a:t>Dati</a:t>
+            </a:r>
+            <a:r>
+              <a:rPr lang="en-US" sz="2000" dirty="0">
+                <a:solidFill>
+                  <a:schemeClr val="tx1">
+                    <a:alpha val="70000"/>
+                  </a:schemeClr>
+                </a:solidFill>
+              </a:rPr>
+              <a:t> </a:t>
+            </a:r>
+            <a:r>
+              <a:rPr lang="en-US" sz="2000" dirty="0" err="1">
+                <a:solidFill>
+                  <a:schemeClr val="tx1">
+                    <a:alpha val="70000"/>
+                  </a:schemeClr>
+                </a:solidFill>
+              </a:rPr>
+              <a:t>annuali</a:t>
             </a:r>
             <a:r>
               <a:rPr lang="en-US" sz="2000" dirty="0">
@@ -31529,13 +31728,13 @@
           <p:nvPr/>
         </p:nvPicPr>
         <p:blipFill>
-          <a:blip r:embed="rId2">
+          <a:blip r:embed="rId4">
             <a:extLst>
               <a:ext uri="{28A0092B-C50C-407E-A947-70E740481C1C}">
                 <a14:useLocalDpi xmlns:a14="http://schemas.microsoft.com/office/drawing/2010/main" val="0"/>
               </a:ext>
               <a:ext uri="{96DAC541-7B7A-43D3-8B79-37D633B846F1}">
-                <asvg:svgBlip xmlns:asvg="http://schemas.microsoft.com/office/drawing/2016/SVG/main" r:embed="rId3"/>
+                <asvg:svgBlip xmlns:asvg="http://schemas.microsoft.com/office/drawing/2016/SVG/main" r:embed="rId5"/>
               </a:ext>
             </a:extLst>
           </a:blip>

--- a/presentazione_davide_carniselli.pptx
+++ b/presentazione_davide_carniselli.pptx
@@ -8934,7 +8934,7 @@
             <a:fld id="{64F0E216-BA48-4F04-AC4F-645AA0DD6AC6}" type="datetimeFigureOut">
               <a:rPr lang="en-US" smtClean="0"/>
               <a:pPr/>
-              <a:t>12/12/2022</a:t>
+              <a:t>8/13/2023</a:t>
             </a:fld>
             <a:endParaRPr lang="en-US" dirty="0"/>
           </a:p>
@@ -9143,7 +9143,7 @@
             <a:fld id="{64F0E216-BA48-4F04-AC4F-645AA0DD6AC6}" type="datetimeFigureOut">
               <a:rPr lang="en-US" smtClean="0"/>
               <a:pPr/>
-              <a:t>12/12/2022</a:t>
+              <a:t>8/13/2023</a:t>
             </a:fld>
             <a:endParaRPr lang="en-US" dirty="0"/>
           </a:p>
@@ -9325,7 +9325,7 @@
             <a:fld id="{64F0E216-BA48-4F04-AC4F-645AA0DD6AC6}" type="datetimeFigureOut">
               <a:rPr lang="en-US" smtClean="0"/>
               <a:pPr/>
-              <a:t>12/12/2022</a:t>
+              <a:t>8/13/2023</a:t>
             </a:fld>
             <a:endParaRPr lang="en-US" dirty="0"/>
           </a:p>
@@ -9532,7 +9532,7 @@
             <a:fld id="{64F0E216-BA48-4F04-AC4F-645AA0DD6AC6}" type="datetimeFigureOut">
               <a:rPr lang="en-US" smtClean="0"/>
               <a:pPr/>
-              <a:t>12/12/2022</a:t>
+              <a:t>8/13/2023</a:t>
             </a:fld>
             <a:endParaRPr lang="en-US" dirty="0"/>
           </a:p>
@@ -18432,7 +18432,7 @@
             <a:fld id="{64F0E216-BA48-4F04-AC4F-645AA0DD6AC6}" type="datetimeFigureOut">
               <a:rPr lang="en-US" smtClean="0"/>
               <a:pPr/>
-              <a:t>12/12/2022</a:t>
+              <a:t>8/13/2023</a:t>
             </a:fld>
             <a:endParaRPr lang="en-US" dirty="0"/>
           </a:p>
@@ -18708,7 +18708,7 @@
             <a:fld id="{64F0E216-BA48-4F04-AC4F-645AA0DD6AC6}" type="datetimeFigureOut">
               <a:rPr lang="en-US" smtClean="0"/>
               <a:pPr/>
-              <a:t>12/12/2022</a:t>
+              <a:t>8/13/2023</a:t>
             </a:fld>
             <a:endParaRPr lang="en-US" dirty="0"/>
           </a:p>
@@ -19108,7 +19108,7 @@
             <a:fld id="{64F0E216-BA48-4F04-AC4F-645AA0DD6AC6}" type="datetimeFigureOut">
               <a:rPr lang="en-US" smtClean="0"/>
               <a:pPr/>
-              <a:t>12/12/2022</a:t>
+              <a:t>8/13/2023</a:t>
             </a:fld>
             <a:endParaRPr lang="en-US" dirty="0"/>
           </a:p>
@@ -19228,7 +19228,7 @@
             <a:fld id="{64F0E216-BA48-4F04-AC4F-645AA0DD6AC6}" type="datetimeFigureOut">
               <a:rPr lang="en-US" smtClean="0"/>
               <a:pPr/>
-              <a:t>12/12/2022</a:t>
+              <a:t>8/13/2023</a:t>
             </a:fld>
             <a:endParaRPr lang="en-US" dirty="0"/>
           </a:p>
@@ -19325,7 +19325,7 @@
             <a:fld id="{64F0E216-BA48-4F04-AC4F-645AA0DD6AC6}" type="datetimeFigureOut">
               <a:rPr lang="en-US" smtClean="0"/>
               <a:pPr/>
-              <a:t>12/12/2022</a:t>
+              <a:t>8/13/2023</a:t>
             </a:fld>
             <a:endParaRPr lang="en-US" dirty="0"/>
           </a:p>
@@ -19617,7 +19617,7 @@
             <a:fld id="{64F0E216-BA48-4F04-AC4F-645AA0DD6AC6}" type="datetimeFigureOut">
               <a:rPr lang="en-US" smtClean="0"/>
               <a:pPr/>
-              <a:t>12/12/2022</a:t>
+              <a:t>8/13/2023</a:t>
             </a:fld>
             <a:endParaRPr lang="en-US" dirty="0"/>
           </a:p>
@@ -19899,7 +19899,7 @@
             <a:fld id="{64F0E216-BA48-4F04-AC4F-645AA0DD6AC6}" type="datetimeFigureOut">
               <a:rPr lang="en-US" smtClean="0"/>
               <a:pPr/>
-              <a:t>12/12/2022</a:t>
+              <a:t>8/13/2023</a:t>
             </a:fld>
             <a:endParaRPr lang="en-US" dirty="0"/>
           </a:p>
@@ -20151,7 +20151,7 @@
             <a:fld id="{64F0E216-BA48-4F04-AC4F-645AA0DD6AC6}" type="datetimeFigureOut">
               <a:rPr lang="en-US" smtClean="0"/>
               <a:pPr/>
-              <a:t>12/12/2022</a:t>
+              <a:t>8/13/2023</a:t>
             </a:fld>
             <a:endParaRPr lang="en-US" dirty="0"/>
           </a:p>
